--- a/Tiles - Presentation 1.pptx
+++ b/Tiles - Presentation 1.pptx
@@ -15,6 +15,7 @@
     <p:sldId id="264" r:id="rId9"/>
     <p:sldId id="262" r:id="rId10"/>
     <p:sldId id="263" r:id="rId11"/>
+    <p:sldId id="268" r:id="rId12"/>
   </p:sldIdLst>
   <p:sldSz cx="12192000" cy="6858000"/>
   <p:notesSz cx="6858000" cy="9144000"/>
@@ -260,7 +261,7 @@
           <a:p>
             <a:fld id="{48A87A34-81AB-432B-8DAE-1953F412C126}" type="datetimeFigureOut">
               <a:rPr lang="en-US" smtClean="0"/>
-              <a:t>10/16/16</a:t>
+              <a:t>10/17/16</a:t>
             </a:fld>
             <a:endParaRPr lang="en-US" dirty="0"/>
           </a:p>
@@ -471,7 +472,7 @@
           <a:p>
             <a:fld id="{48A87A34-81AB-432B-8DAE-1953F412C126}" type="datetimeFigureOut">
               <a:rPr lang="en-US" smtClean="0"/>
-              <a:t>10/16/16</a:t>
+              <a:t>10/17/16</a:t>
             </a:fld>
             <a:endParaRPr lang="en-US" dirty="0"/>
           </a:p>
@@ -686,7 +687,7 @@
           <a:p>
             <a:fld id="{48A87A34-81AB-432B-8DAE-1953F412C126}" type="datetimeFigureOut">
               <a:rPr lang="en-US" smtClean="0"/>
-              <a:t>10/16/16</a:t>
+              <a:t>10/17/16</a:t>
             </a:fld>
             <a:endParaRPr lang="en-US" dirty="0"/>
           </a:p>
@@ -887,7 +888,7 @@
           <a:p>
             <a:fld id="{48A87A34-81AB-432B-8DAE-1953F412C126}" type="datetimeFigureOut">
               <a:rPr lang="en-US" smtClean="0"/>
-              <a:t>10/16/16</a:t>
+              <a:t>10/17/16</a:t>
             </a:fld>
             <a:endParaRPr lang="en-US" dirty="0"/>
           </a:p>
@@ -1166,7 +1167,7 @@
           <a:p>
             <a:fld id="{48A87A34-81AB-432B-8DAE-1953F412C126}" type="datetimeFigureOut">
               <a:rPr lang="en-US" smtClean="0"/>
-              <a:t>10/16/16</a:t>
+              <a:t>10/17/16</a:t>
             </a:fld>
             <a:endParaRPr lang="en-US" dirty="0"/>
           </a:p>
@@ -1434,7 +1435,7 @@
           <a:p>
             <a:fld id="{48A87A34-81AB-432B-8DAE-1953F412C126}" type="datetimeFigureOut">
               <a:rPr lang="en-US" smtClean="0"/>
-              <a:t>10/16/16</a:t>
+              <a:t>10/17/16</a:t>
             </a:fld>
             <a:endParaRPr lang="en-US" dirty="0"/>
           </a:p>
@@ -1850,7 +1851,7 @@
           <a:p>
             <a:fld id="{48A87A34-81AB-432B-8DAE-1953F412C126}" type="datetimeFigureOut">
               <a:rPr lang="en-US" smtClean="0"/>
-              <a:t>10/16/16</a:t>
+              <a:t>10/17/16</a:t>
             </a:fld>
             <a:endParaRPr lang="en-US" dirty="0"/>
           </a:p>
@@ -1999,7 +2000,7 @@
           <a:p>
             <a:fld id="{48A87A34-81AB-432B-8DAE-1953F412C126}" type="datetimeFigureOut">
               <a:rPr lang="en-US" smtClean="0"/>
-              <a:t>10/16/16</a:t>
+              <a:t>10/17/16</a:t>
             </a:fld>
             <a:endParaRPr lang="en-US" dirty="0"/>
           </a:p>
@@ -2125,7 +2126,7 @@
           <a:p>
             <a:fld id="{48A87A34-81AB-432B-8DAE-1953F412C126}" type="datetimeFigureOut">
               <a:rPr lang="en-US" smtClean="0"/>
-              <a:t>10/16/16</a:t>
+              <a:t>10/17/16</a:t>
             </a:fld>
             <a:endParaRPr lang="en-US" dirty="0"/>
           </a:p>
@@ -2376,7 +2377,7 @@
           <a:p>
             <a:fld id="{48A87A34-81AB-432B-8DAE-1953F412C126}" type="datetimeFigureOut">
               <a:rPr lang="en-US" smtClean="0"/>
-              <a:t>10/16/16</a:t>
+              <a:t>10/17/16</a:t>
             </a:fld>
             <a:endParaRPr lang="en-US" dirty="0"/>
           </a:p>
@@ -2821,7 +2822,7 @@
           <a:p>
             <a:fld id="{48A87A34-81AB-432B-8DAE-1953F412C126}" type="datetimeFigureOut">
               <a:rPr lang="en-US" smtClean="0"/>
-              <a:t>10/16/16</a:t>
+              <a:t>10/17/16</a:t>
             </a:fld>
             <a:endParaRPr lang="en-US" dirty="0"/>
           </a:p>
@@ -3153,7 +3154,7 @@
             <a:fld id="{48A87A34-81AB-432B-8DAE-1953F412C126}" type="datetimeFigureOut">
               <a:rPr lang="en-US" smtClean="0"/>
               <a:pPr/>
-              <a:t>10/16/16</a:t>
+              <a:t>10/17/16</a:t>
             </a:fld>
             <a:endParaRPr lang="en-US" dirty="0"/>
           </a:p>
@@ -3733,11 +3734,7 @@
             </a:br>
             <a:r>
               <a:rPr lang="en-US" sz="5300" dirty="0" smtClean="0"/>
-              <a:t>Software </a:t>
-            </a:r>
-            <a:r>
-              <a:rPr lang="en-US" sz="5300" dirty="0" smtClean="0"/>
-              <a:t>Engineering Individual Project</a:t>
+              <a:t>Software Engineering Individual Project</a:t>
             </a:r>
             <a:endParaRPr lang="en-US" sz="5300" dirty="0"/>
           </a:p>
@@ -3921,6 +3918,74 @@
 </p:sld>
 </file>
 
+<file path=ppt/slides/slide11.xml><?xml version="1.0" encoding="utf-8"?>
+<p:sld xmlns:a="http://schemas.openxmlformats.org/drawingml/2006/main" xmlns:r="http://schemas.openxmlformats.org/officeDocument/2006/relationships" xmlns:p="http://schemas.openxmlformats.org/presentationml/2006/main">
+  <p:cSld>
+    <p:spTree>
+      <p:nvGrpSpPr>
+        <p:cNvPr id="1" name=""/>
+        <p:cNvGrpSpPr/>
+        <p:nvPr/>
+      </p:nvGrpSpPr>
+      <p:grpSpPr>
+        <a:xfrm>
+          <a:off x="0" y="0"/>
+          <a:ext cx="0" cy="0"/>
+          <a:chOff x="0" y="0"/>
+          <a:chExt cx="0" cy="0"/>
+        </a:xfrm>
+      </p:grpSpPr>
+      <p:sp>
+        <p:nvSpPr>
+          <p:cNvPr id="2" name="Title 1"/>
+          <p:cNvSpPr>
+            <a:spLocks noGrp="1"/>
+          </p:cNvSpPr>
+          <p:nvPr>
+            <p:ph type="title"/>
+          </p:nvPr>
+        </p:nvSpPr>
+        <p:spPr/>
+        <p:txBody>
+          <a:bodyPr/>
+          <a:lstStyle/>
+          <a:p>
+            <a:endParaRPr lang="en-US" dirty="0"/>
+          </a:p>
+        </p:txBody>
+      </p:sp>
+      <p:sp>
+        <p:nvSpPr>
+          <p:cNvPr id="3" name="Content Placeholder 2"/>
+          <p:cNvSpPr>
+            <a:spLocks noGrp="1"/>
+          </p:cNvSpPr>
+          <p:nvPr>
+            <p:ph idx="1"/>
+          </p:nvPr>
+        </p:nvSpPr>
+        <p:spPr/>
+        <p:txBody>
+          <a:bodyPr/>
+          <a:lstStyle/>
+          <a:p>
+            <a:endParaRPr lang="en-US" dirty="0"/>
+          </a:p>
+        </p:txBody>
+      </p:sp>
+    </p:spTree>
+    <p:extLst>
+      <p:ext uri="{BB962C8B-B14F-4D97-AF65-F5344CB8AC3E}">
+        <p14:creationId xmlns:p14="http://schemas.microsoft.com/office/powerpoint/2010/main" val="14512540"/>
+      </p:ext>
+    </p:extLst>
+  </p:cSld>
+  <p:clrMapOvr>
+    <a:masterClrMapping/>
+  </p:clrMapOvr>
+</p:sld>
+</file>
+
 <file path=ppt/slides/slide2.xml><?xml version="1.0" encoding="utf-8"?>
 <p:sld xmlns:a="http://schemas.openxmlformats.org/drawingml/2006/main" xmlns:r="http://schemas.openxmlformats.org/officeDocument/2006/relationships" xmlns:p="http://schemas.openxmlformats.org/presentationml/2006/main">
   <p:cSld>
@@ -3992,11 +4057,7 @@
           <a:p>
             <a:r>
               <a:rPr lang="en-US" dirty="0" smtClean="0"/>
-              <a:t>Each unique number/pattern </a:t>
-            </a:r>
-            <a:r>
-              <a:rPr lang="en-US" dirty="0" smtClean="0"/>
-              <a:t>exists twice in the matrix.</a:t>
+              <a:t>Each unique number/pattern exists twice in the matrix.</a:t>
             </a:r>
           </a:p>
           <a:p>
@@ -4004,20 +4065,11 @@
               <a:rPr lang="en-US" dirty="0" smtClean="0"/>
               <a:t>Once the player taps a tile, it flips and shows the pattern behind it.</a:t>
             </a:r>
-            <a:endParaRPr lang="en-US" dirty="0" smtClean="0"/>
           </a:p>
           <a:p>
             <a:r>
               <a:rPr lang="en-US" dirty="0" smtClean="0"/>
-              <a:t>The player has to </a:t>
-            </a:r>
-            <a:r>
-              <a:rPr lang="en-US" dirty="0" smtClean="0"/>
-              <a:t>match (by tapping consecutively) </a:t>
-            </a:r>
-            <a:r>
-              <a:rPr lang="en-US" dirty="0" smtClean="0"/>
-              <a:t>two tiles with same number/pattern hidden behind them.</a:t>
+              <a:t>The player has to match (by tapping consecutively) two tiles with same number/pattern hidden behind them.</a:t>
             </a:r>
           </a:p>
           <a:p>
@@ -4118,6 +4170,28 @@
               <a:rPr lang="en-US" dirty="0" smtClean="0"/>
               <a:t>level</a:t>
             </a:r>
+          </a:p>
+          <a:p>
+            <a:r>
+              <a:rPr lang="en-US" dirty="0" smtClean="0"/>
+              <a:t>Option whether pattern exits twice or </a:t>
+            </a:r>
+            <a:r>
+              <a:rPr lang="en-US" dirty="0" smtClean="0"/>
+              <a:t>thrice</a:t>
+            </a:r>
+          </a:p>
+          <a:p>
+            <a:r>
+              <a:rPr lang="en-US" dirty="0" smtClean="0"/>
+              <a:t>Patterns which will get complicated as per level</a:t>
+            </a:r>
+          </a:p>
+          <a:p>
+            <a:r>
+              <a:rPr lang="en-US" dirty="0" smtClean="0"/>
+              <a:t>Retaining last state of the game</a:t>
+            </a:r>
             <a:endParaRPr lang="en-US" dirty="0"/>
           </a:p>
         </p:txBody>
@@ -4210,6 +4284,12 @@
             <a:r>
               <a:rPr lang="en-US" dirty="0" smtClean="0"/>
               <a:t>feature</a:t>
+            </a:r>
+          </a:p>
+          <a:p>
+            <a:r>
+              <a:rPr lang="en-US" dirty="0" smtClean="0"/>
+              <a:t>Fingerprint authentication</a:t>
             </a:r>
             <a:endParaRPr lang="en-US" dirty="0"/>
           </a:p>

--- a/Tiles - Presentation 1.pptx
+++ b/Tiles - Presentation 1.pptx
@@ -15,7 +15,6 @@
     <p:sldId id="264" r:id="rId9"/>
     <p:sldId id="262" r:id="rId10"/>
     <p:sldId id="263" r:id="rId11"/>
-    <p:sldId id="268" r:id="rId12"/>
   </p:sldIdLst>
   <p:sldSz cx="12192000" cy="6858000"/>
   <p:notesSz cx="6858000" cy="9144000"/>
@@ -3918,74 +3917,6 @@
 </p:sld>
 </file>
 
-<file path=ppt/slides/slide11.xml><?xml version="1.0" encoding="utf-8"?>
-<p:sld xmlns:a="http://schemas.openxmlformats.org/drawingml/2006/main" xmlns:r="http://schemas.openxmlformats.org/officeDocument/2006/relationships" xmlns:p="http://schemas.openxmlformats.org/presentationml/2006/main">
-  <p:cSld>
-    <p:spTree>
-      <p:nvGrpSpPr>
-        <p:cNvPr id="1" name=""/>
-        <p:cNvGrpSpPr/>
-        <p:nvPr/>
-      </p:nvGrpSpPr>
-      <p:grpSpPr>
-        <a:xfrm>
-          <a:off x="0" y="0"/>
-          <a:ext cx="0" cy="0"/>
-          <a:chOff x="0" y="0"/>
-          <a:chExt cx="0" cy="0"/>
-        </a:xfrm>
-      </p:grpSpPr>
-      <p:sp>
-        <p:nvSpPr>
-          <p:cNvPr id="2" name="Title 1"/>
-          <p:cNvSpPr>
-            <a:spLocks noGrp="1"/>
-          </p:cNvSpPr>
-          <p:nvPr>
-            <p:ph type="title"/>
-          </p:nvPr>
-        </p:nvSpPr>
-        <p:spPr/>
-        <p:txBody>
-          <a:bodyPr/>
-          <a:lstStyle/>
-          <a:p>
-            <a:endParaRPr lang="en-US" dirty="0"/>
-          </a:p>
-        </p:txBody>
-      </p:sp>
-      <p:sp>
-        <p:nvSpPr>
-          <p:cNvPr id="3" name="Content Placeholder 2"/>
-          <p:cNvSpPr>
-            <a:spLocks noGrp="1"/>
-          </p:cNvSpPr>
-          <p:nvPr>
-            <p:ph idx="1"/>
-          </p:nvPr>
-        </p:nvSpPr>
-        <p:spPr/>
-        <p:txBody>
-          <a:bodyPr/>
-          <a:lstStyle/>
-          <a:p>
-            <a:endParaRPr lang="en-US" dirty="0"/>
-          </a:p>
-        </p:txBody>
-      </p:sp>
-    </p:spTree>
-    <p:extLst>
-      <p:ext uri="{BB962C8B-B14F-4D97-AF65-F5344CB8AC3E}">
-        <p14:creationId xmlns:p14="http://schemas.microsoft.com/office/powerpoint/2010/main" val="14512540"/>
-      </p:ext>
-    </p:extLst>
-  </p:cSld>
-  <p:clrMapOvr>
-    <a:masterClrMapping/>
-  </p:clrMapOvr>
-</p:sld>
-</file>
-
 <file path=ppt/slides/slide2.xml><?xml version="1.0" encoding="utf-8"?>
 <p:sld xmlns:a="http://schemas.openxmlformats.org/drawingml/2006/main" xmlns:r="http://schemas.openxmlformats.org/officeDocument/2006/relationships" xmlns:p="http://schemas.openxmlformats.org/presentationml/2006/main">
   <p:cSld>
@@ -4174,11 +4105,7 @@
           <a:p>
             <a:r>
               <a:rPr lang="en-US" dirty="0" smtClean="0"/>
-              <a:t>Option whether pattern exits twice or </a:t>
-            </a:r>
-            <a:r>
-              <a:rPr lang="en-US" dirty="0" smtClean="0"/>
-              <a:t>thrice</a:t>
+              <a:t>Option whether pattern exits twice or thrice</a:t>
             </a:r>
           </a:p>
           <a:p>

--- a/Tiles - Presentation 1.pptx
+++ b/Tiles - Presentation 1.pptx
@@ -15,6 +15,7 @@
     <p:sldId id="264" r:id="rId9"/>
     <p:sldId id="262" r:id="rId10"/>
     <p:sldId id="263" r:id="rId11"/>
+    <p:sldId id="268" r:id="rId12"/>
   </p:sldIdLst>
   <p:sldSz cx="12192000" cy="6858000"/>
   <p:notesSz cx="6858000" cy="9144000"/>
@@ -3917,6 +3918,60 @@
 </p:sld>
 </file>
 
+<file path=ppt/slides/slide11.xml><?xml version="1.0" encoding="utf-8"?>
+<p:sld xmlns:a="http://schemas.openxmlformats.org/drawingml/2006/main" xmlns:r="http://schemas.openxmlformats.org/officeDocument/2006/relationships" xmlns:p="http://schemas.openxmlformats.org/presentationml/2006/main">
+  <p:cSld>
+    <p:spTree>
+      <p:nvGrpSpPr>
+        <p:cNvPr id="1" name=""/>
+        <p:cNvGrpSpPr/>
+        <p:nvPr/>
+      </p:nvGrpSpPr>
+      <p:grpSpPr>
+        <a:xfrm>
+          <a:off x="0" y="0"/>
+          <a:ext cx="0" cy="0"/>
+          <a:chOff x="0" y="0"/>
+          <a:chExt cx="0" cy="0"/>
+        </a:xfrm>
+      </p:grpSpPr>
+      <p:sp>
+        <p:nvSpPr>
+          <p:cNvPr id="2" name="Title 1"/>
+          <p:cNvSpPr>
+            <a:spLocks noGrp="1"/>
+          </p:cNvSpPr>
+          <p:nvPr>
+            <p:ph type="title"/>
+          </p:nvPr>
+        </p:nvSpPr>
+        <p:spPr/>
+        <p:txBody>
+          <a:bodyPr/>
+          <a:lstStyle/>
+          <a:p>
+            <a:pPr algn="ctr"/>
+            <a:r>
+              <a:rPr lang="en-US" dirty="0" smtClean="0"/>
+              <a:t>Thank you!</a:t>
+            </a:r>
+            <a:endParaRPr lang="en-US" dirty="0"/>
+          </a:p>
+        </p:txBody>
+      </p:sp>
+    </p:spTree>
+    <p:extLst>
+      <p:ext uri="{BB962C8B-B14F-4D97-AF65-F5344CB8AC3E}">
+        <p14:creationId xmlns:p14="http://schemas.microsoft.com/office/powerpoint/2010/main" val="1012714390"/>
+      </p:ext>
+    </p:extLst>
+  </p:cSld>
+  <p:clrMapOvr>
+    <a:masterClrMapping/>
+  </p:clrMapOvr>
+</p:sld>
+</file>
+
 <file path=ppt/slides/slide2.xml><?xml version="1.0" encoding="utf-8"?>
 <p:sld xmlns:a="http://schemas.openxmlformats.org/drawingml/2006/main" xmlns:r="http://schemas.openxmlformats.org/officeDocument/2006/relationships" xmlns:p="http://schemas.openxmlformats.org/presentationml/2006/main">
   <p:cSld>
